--- a/we_care_bracelet_fitcc.pptx
+++ b/we_care_bracelet_fitcc.pptx
@@ -3589,34 +3589,6 @@
           <a:p>
             <a:pPr algn="ctr"/>
             <a:r>
-              <a:rPr lang="bs-Latn-BA" sz="9600" b="1" dirty="0">
-                <a:ln w="0"/>
-                <a:gradFill>
-                  <a:gsLst>
-                    <a:gs pos="0">
-                      <a:schemeClr val="accent5">
-                        <a:lumMod val="50000"/>
-                      </a:schemeClr>
-                    </a:gs>
-                    <a:gs pos="50000">
-                      <a:schemeClr val="accent5"/>
-                    </a:gs>
-                    <a:gs pos="100000">
-                      <a:schemeClr val="accent5">
-                        <a:lumMod val="60000"/>
-                        <a:lumOff val="40000"/>
-                      </a:schemeClr>
-                    </a:gs>
-                  </a:gsLst>
-                  <a:lin ang="5400000"/>
-                </a:gradFill>
-                <a:effectLst>
-                  <a:reflection blurRad="6350" stA="53000" endA="300" endPos="35500" dir="5400000" sy="-90000" algn="bl" rotWithShape="0"/>
-                </a:effectLst>
-              </a:rPr>
-              <a:t>i</a:t>
-            </a:r>
-            <a:r>
               <a:rPr lang="bs-Latn-BA" sz="9600" b="1" cap="none" spc="0" dirty="0">
                 <a:ln w="0"/>
                 <a:gradFill>
@@ -3642,7 +3614,7 @@
                   <a:reflection blurRad="6350" stA="53000" endA="300" endPos="35500" dir="5400000" sy="-90000" algn="bl" rotWithShape="0"/>
                 </a:effectLst>
               </a:rPr>
-              <a:t>Care</a:t>
+              <a:t>weCare</a:t>
             </a:r>
             <a:r>
               <a:rPr lang="bs-Latn-BA" sz="9600" b="0" cap="none" spc="0" dirty="0">
@@ -3714,7 +3686,7 @@
         </p:nvSpPr>
         <p:spPr>
           <a:xfrm>
-            <a:off x="1498015" y="2740539"/>
+            <a:off x="5078246" y="3357178"/>
             <a:ext cx="316929" cy="356980"/>
           </a:xfrm>
           <a:prstGeom prst="heart">
@@ -13264,7 +13236,7 @@
         </p:nvSpPr>
         <p:spPr>
           <a:xfrm>
-            <a:off x="824542" y="4976031"/>
+            <a:off x="652187" y="5126205"/>
             <a:ext cx="10515599" cy="1198357"/>
           </a:xfrm>
           <a:prstGeom prst="rect">
@@ -22456,7 +22428,7 @@
             <a:pPr algn="ctr"/>
             <a:r>
               <a:rPr lang="bs-Latn-BA" sz="4800" dirty="0"/>
-              <a:t>PITANJA?</a:t>
+              <a:t>Hvala na pažnji!</a:t>
             </a:r>
             <a:br>
               <a:rPr lang="bs-Latn-BA" sz="4000" dirty="0"/>

--- a/we_care_bracelet_fitcc.pptx
+++ b/we_care_bracelet_fitcc.pptx
@@ -11,9 +11,8 @@
     <p:sldId id="259" r:id="rId5"/>
     <p:sldId id="260" r:id="rId6"/>
     <p:sldId id="261" r:id="rId7"/>
-    <p:sldId id="263" r:id="rId8"/>
-    <p:sldId id="262" r:id="rId9"/>
-    <p:sldId id="267" r:id="rId10"/>
+    <p:sldId id="262" r:id="rId8"/>
+    <p:sldId id="267" r:id="rId9"/>
   </p:sldIdLst>
   <p:sldSz cx="12192000" cy="6858000"/>
   <p:notesSz cx="6858000" cy="9144000"/>
@@ -267,7 +266,7 @@
           <a:p>
             <a:fld id="{F0425B2B-7945-4483-A7CA-11021DEED814}" type="datetimeFigureOut">
               <a:rPr lang="en-US" smtClean="0"/>
-              <a:t>5/24/2023</a:t>
+              <a:t>5/25/2023</a:t>
             </a:fld>
             <a:endParaRPr lang="en-US"/>
           </a:p>
@@ -465,7 +464,7 @@
           <a:p>
             <a:fld id="{F0425B2B-7945-4483-A7CA-11021DEED814}" type="datetimeFigureOut">
               <a:rPr lang="en-US" smtClean="0"/>
-              <a:t>5/24/2023</a:t>
+              <a:t>5/25/2023</a:t>
             </a:fld>
             <a:endParaRPr lang="en-US"/>
           </a:p>
@@ -673,7 +672,7 @@
           <a:p>
             <a:fld id="{F0425B2B-7945-4483-A7CA-11021DEED814}" type="datetimeFigureOut">
               <a:rPr lang="en-US" smtClean="0"/>
-              <a:t>5/24/2023</a:t>
+              <a:t>5/25/2023</a:t>
             </a:fld>
             <a:endParaRPr lang="en-US"/>
           </a:p>
@@ -871,7 +870,7 @@
           <a:p>
             <a:fld id="{F0425B2B-7945-4483-A7CA-11021DEED814}" type="datetimeFigureOut">
               <a:rPr lang="en-US" smtClean="0"/>
-              <a:t>5/24/2023</a:t>
+              <a:t>5/25/2023</a:t>
             </a:fld>
             <a:endParaRPr lang="en-US"/>
           </a:p>
@@ -1146,7 +1145,7 @@
           <a:p>
             <a:fld id="{F0425B2B-7945-4483-A7CA-11021DEED814}" type="datetimeFigureOut">
               <a:rPr lang="en-US" smtClean="0"/>
-              <a:t>5/24/2023</a:t>
+              <a:t>5/25/2023</a:t>
             </a:fld>
             <a:endParaRPr lang="en-US"/>
           </a:p>
@@ -1411,7 +1410,7 @@
           <a:p>
             <a:fld id="{F0425B2B-7945-4483-A7CA-11021DEED814}" type="datetimeFigureOut">
               <a:rPr lang="en-US" smtClean="0"/>
-              <a:t>5/24/2023</a:t>
+              <a:t>5/25/2023</a:t>
             </a:fld>
             <a:endParaRPr lang="en-US"/>
           </a:p>
@@ -1823,7 +1822,7 @@
           <a:p>
             <a:fld id="{F0425B2B-7945-4483-A7CA-11021DEED814}" type="datetimeFigureOut">
               <a:rPr lang="en-US" smtClean="0"/>
-              <a:t>5/24/2023</a:t>
+              <a:t>5/25/2023</a:t>
             </a:fld>
             <a:endParaRPr lang="en-US"/>
           </a:p>
@@ -1964,7 +1963,7 @@
           <a:p>
             <a:fld id="{F0425B2B-7945-4483-A7CA-11021DEED814}" type="datetimeFigureOut">
               <a:rPr lang="en-US" smtClean="0"/>
-              <a:t>5/24/2023</a:t>
+              <a:t>5/25/2023</a:t>
             </a:fld>
             <a:endParaRPr lang="en-US"/>
           </a:p>
@@ -2077,7 +2076,7 @@
           <a:p>
             <a:fld id="{F0425B2B-7945-4483-A7CA-11021DEED814}" type="datetimeFigureOut">
               <a:rPr lang="en-US" smtClean="0"/>
-              <a:t>5/24/2023</a:t>
+              <a:t>5/25/2023</a:t>
             </a:fld>
             <a:endParaRPr lang="en-US"/>
           </a:p>
@@ -2388,7 +2387,7 @@
           <a:p>
             <a:fld id="{F0425B2B-7945-4483-A7CA-11021DEED814}" type="datetimeFigureOut">
               <a:rPr lang="en-US" smtClean="0"/>
-              <a:t>5/24/2023</a:t>
+              <a:t>5/25/2023</a:t>
             </a:fld>
             <a:endParaRPr lang="en-US"/>
           </a:p>
@@ -2676,7 +2675,7 @@
           <a:p>
             <a:fld id="{F0425B2B-7945-4483-A7CA-11021DEED814}" type="datetimeFigureOut">
               <a:rPr lang="en-US" smtClean="0"/>
-              <a:t>5/24/2023</a:t>
+              <a:t>5/25/2023</a:t>
             </a:fld>
             <a:endParaRPr lang="en-US"/>
           </a:p>
@@ -2917,7 +2916,7 @@
           <a:p>
             <a:fld id="{F0425B2B-7945-4483-A7CA-11021DEED814}" type="datetimeFigureOut">
               <a:rPr lang="en-US" smtClean="0"/>
-              <a:t>5/24/2023</a:t>
+              <a:t>5/25/2023</a:t>
             </a:fld>
             <a:endParaRPr lang="en-US"/>
           </a:p>
@@ -18681,1818 +18680,6 @@
   <p:cSld>
     <p:bg>
       <p:bgPr>
-        <a:solidFill>
-          <a:schemeClr val="bg1"/>
-        </a:solidFill>
-        <a:effectLst/>
-      </p:bgPr>
-    </p:bg>
-    <p:spTree>
-      <p:nvGrpSpPr>
-        <p:cNvPr id="1" name=""/>
-        <p:cNvGrpSpPr/>
-        <p:nvPr/>
-      </p:nvGrpSpPr>
-      <p:grpSpPr>
-        <a:xfrm>
-          <a:off x="0" y="0"/>
-          <a:ext cx="0" cy="0"/>
-          <a:chOff x="0" y="0"/>
-          <a:chExt cx="0" cy="0"/>
-        </a:xfrm>
-      </p:grpSpPr>
-      <p:pic>
-        <p:nvPicPr>
-          <p:cNvPr id="7" name="Picture 6">
-            <a:extLst>
-              <a:ext uri="{FF2B5EF4-FFF2-40B4-BE49-F238E27FC236}">
-                <a16:creationId xmlns:a16="http://schemas.microsoft.com/office/drawing/2014/main" id="{2320F448-2855-4E6D-9799-F3E28BC84652}"/>
-              </a:ext>
-            </a:extLst>
-          </p:cNvPr>
-          <p:cNvPicPr>
-            <a:picLocks noChangeAspect="1"/>
-          </p:cNvPicPr>
-          <p:nvPr/>
-        </p:nvPicPr>
-        <p:blipFill>
-          <a:blip r:embed="rId2">
-            <a:extLst>
-              <a:ext uri="{28A0092B-C50C-407E-A947-70E740481C1C}">
-                <a14:useLocalDpi xmlns:a14="http://schemas.microsoft.com/office/drawing/2010/main" val="0"/>
-              </a:ext>
-            </a:extLst>
-          </a:blip>
-          <a:stretch>
-            <a:fillRect/>
-          </a:stretch>
-        </p:blipFill>
-        <p:spPr>
-          <a:xfrm>
-            <a:off x="4662756" y="1123528"/>
-            <a:ext cx="2866487" cy="4604800"/>
-          </a:xfrm>
-          <a:prstGeom prst="rect">
-            <a:avLst/>
-          </a:prstGeom>
-        </p:spPr>
-      </p:pic>
-      <p:cxnSp>
-        <p:nvCxnSpPr>
-          <p:cNvPr id="29" name="Straight Connector 13">
-            <a:extLst>
-              <a:ext uri="{FF2B5EF4-FFF2-40B4-BE49-F238E27FC236}">
-                <a16:creationId xmlns:a16="http://schemas.microsoft.com/office/drawing/2014/main" id="{DCD67800-37AC-4E14-89B0-F79DCB3FB86D}"/>
-              </a:ext>
-              <a:ext uri="{C183D7F6-B498-43B3-948B-1728B52AA6E4}">
-                <adec:decorative xmlns:adec="http://schemas.microsoft.com/office/drawing/2017/decorative" val="1"/>
-              </a:ext>
-            </a:extLst>
-          </p:cNvPr>
-          <p:cNvCxnSpPr>
-            <a:cxnSpLocks noGrp="1" noRot="1" noChangeAspect="1" noMove="1" noResize="1" noEditPoints="1" noAdjustHandles="1" noChangeArrowheads="1" noChangeShapeType="1"/>
-          </p:cNvCxnSpPr>
-          <p:nvPr>
-            <p:extLst>
-              <p:ext uri="{386F3935-93C4-4BCD-93E2-E3B085C9AB24}">
-                <p16:designElem xmlns:p16="http://schemas.microsoft.com/office/powerpoint/2015/main" val="1"/>
-              </p:ext>
-            </p:extLst>
-          </p:nvPr>
-        </p:nvCxnSpPr>
-        <p:spPr>
-          <a:xfrm>
-            <a:off x="4165600" y="1573887"/>
-            <a:ext cx="0" cy="3710227"/>
-          </a:xfrm>
-          <a:prstGeom prst="line">
-            <a:avLst/>
-          </a:prstGeom>
-          <a:ln w="19050">
-            <a:solidFill>
-              <a:srgbClr val="7F7F7F"/>
-            </a:solidFill>
-          </a:ln>
-        </p:spPr>
-        <p:style>
-          <a:lnRef idx="1">
-            <a:schemeClr val="accent1"/>
-          </a:lnRef>
-          <a:fillRef idx="0">
-            <a:schemeClr val="accent1"/>
-          </a:fillRef>
-          <a:effectRef idx="0">
-            <a:schemeClr val="accent1"/>
-          </a:effectRef>
-          <a:fontRef idx="minor">
-            <a:schemeClr val="tx1"/>
-          </a:fontRef>
-        </p:style>
-      </p:cxnSp>
-      <p:pic>
-        <p:nvPicPr>
-          <p:cNvPr id="9" name="Picture 8">
-            <a:extLst>
-              <a:ext uri="{FF2B5EF4-FFF2-40B4-BE49-F238E27FC236}">
-                <a16:creationId xmlns:a16="http://schemas.microsoft.com/office/drawing/2014/main" id="{AB38416E-28A5-4B70-AD36-59171B39F489}"/>
-              </a:ext>
-            </a:extLst>
-          </p:cNvPr>
-          <p:cNvPicPr>
-            <a:picLocks noChangeAspect="1"/>
-          </p:cNvPicPr>
-          <p:nvPr/>
-        </p:nvPicPr>
-        <p:blipFill>
-          <a:blip r:embed="rId3">
-            <a:extLst>
-              <a:ext uri="{28A0092B-C50C-407E-A947-70E740481C1C}">
-                <a14:useLocalDpi xmlns:a14="http://schemas.microsoft.com/office/drawing/2010/main" val="0"/>
-              </a:ext>
-            </a:extLst>
-          </a:blip>
-          <a:stretch>
-            <a:fillRect/>
-          </a:stretch>
-        </p:blipFill>
-        <p:spPr>
-          <a:xfrm>
-            <a:off x="721373" y="1123528"/>
-            <a:ext cx="2947072" cy="4604800"/>
-          </a:xfrm>
-          <a:prstGeom prst="rect">
-            <a:avLst/>
-          </a:prstGeom>
-        </p:spPr>
-      </p:pic>
-      <p:cxnSp>
-        <p:nvCxnSpPr>
-          <p:cNvPr id="16" name="Straight Connector 15">
-            <a:extLst>
-              <a:ext uri="{FF2B5EF4-FFF2-40B4-BE49-F238E27FC236}">
-                <a16:creationId xmlns:a16="http://schemas.microsoft.com/office/drawing/2014/main" id="{20F1788F-A5AE-4188-8274-F7F2E3833ECD}"/>
-              </a:ext>
-              <a:ext uri="{C183D7F6-B498-43B3-948B-1728B52AA6E4}">
-                <adec:decorative xmlns:adec="http://schemas.microsoft.com/office/drawing/2017/decorative" val="1"/>
-              </a:ext>
-            </a:extLst>
-          </p:cNvPr>
-          <p:cNvCxnSpPr>
-            <a:cxnSpLocks noGrp="1" noRot="1" noChangeAspect="1" noMove="1" noResize="1" noEditPoints="1" noAdjustHandles="1" noChangeArrowheads="1" noChangeShapeType="1"/>
-          </p:cNvCxnSpPr>
-          <p:nvPr>
-            <p:extLst>
-              <p:ext uri="{386F3935-93C4-4BCD-93E2-E3B085C9AB24}">
-                <p16:designElem xmlns:p16="http://schemas.microsoft.com/office/powerpoint/2015/main" val="1"/>
-              </p:ext>
-            </p:extLst>
-          </p:nvPr>
-        </p:nvCxnSpPr>
-        <p:spPr>
-          <a:xfrm>
-            <a:off x="7995920" y="1573887"/>
-            <a:ext cx="0" cy="3710227"/>
-          </a:xfrm>
-          <a:prstGeom prst="line">
-            <a:avLst/>
-          </a:prstGeom>
-          <a:ln w="19050">
-            <a:solidFill>
-              <a:srgbClr val="7F7F7F"/>
-            </a:solidFill>
-          </a:ln>
-        </p:spPr>
-        <p:style>
-          <a:lnRef idx="1">
-            <a:schemeClr val="accent1"/>
-          </a:lnRef>
-          <a:fillRef idx="0">
-            <a:schemeClr val="accent1"/>
-          </a:fillRef>
-          <a:effectRef idx="0">
-            <a:schemeClr val="accent1"/>
-          </a:effectRef>
-          <a:fontRef idx="minor">
-            <a:schemeClr val="tx1"/>
-          </a:fontRef>
-        </p:style>
-      </p:cxnSp>
-      <p:pic>
-        <p:nvPicPr>
-          <p:cNvPr id="5" name="Content Placeholder 4">
-            <a:extLst>
-              <a:ext uri="{FF2B5EF4-FFF2-40B4-BE49-F238E27FC236}">
-                <a16:creationId xmlns:a16="http://schemas.microsoft.com/office/drawing/2014/main" id="{AFFEDE32-5E57-4A7A-B867-01010FD7C95E}"/>
-              </a:ext>
-            </a:extLst>
-          </p:cNvPr>
-          <p:cNvPicPr>
-            <a:picLocks noGrp="1" noChangeAspect="1"/>
-          </p:cNvPicPr>
-          <p:nvPr>
-            <p:ph idx="1"/>
-          </p:nvPr>
-        </p:nvPicPr>
-        <p:blipFill>
-          <a:blip r:embed="rId4">
-            <a:extLst>
-              <a:ext uri="{28A0092B-C50C-407E-A947-70E740481C1C}">
-                <a14:useLocalDpi xmlns:a14="http://schemas.microsoft.com/office/drawing/2010/main" val="0"/>
-              </a:ext>
-            </a:extLst>
-          </a:blip>
-          <a:stretch>
-            <a:fillRect/>
-          </a:stretch>
-        </p:blipFill>
-        <p:spPr>
-          <a:xfrm>
-            <a:off x="8481896" y="1123528"/>
-            <a:ext cx="2878000" cy="4604800"/>
-          </a:xfrm>
-          <a:prstGeom prst="rect">
-            <a:avLst/>
-          </a:prstGeom>
-        </p:spPr>
-      </p:pic>
-      <p:pic>
-        <p:nvPicPr>
-          <p:cNvPr id="21" name="Picture 20" descr="Medical Notes: January 29, 2023 | Radio Health Journal">
-            <a:extLst>
-              <a:ext uri="{FF2B5EF4-FFF2-40B4-BE49-F238E27FC236}">
-                <a16:creationId xmlns:a16="http://schemas.microsoft.com/office/drawing/2014/main" id="{97AAB7E1-C1D5-4EDF-90D8-494F503374E4}"/>
-              </a:ext>
-            </a:extLst>
-          </p:cNvPr>
-          <p:cNvPicPr>
-            <a:picLocks noChangeAspect="1" noChangeArrowheads="1"/>
-          </p:cNvPicPr>
-          <p:nvPr/>
-        </p:nvPicPr>
-        <p:blipFill>
-          <a:blip r:embed="rId5">
-            <a:extLst>
-              <a:ext uri="{28A0092B-C50C-407E-A947-70E740481C1C}">
-                <a14:useLocalDpi xmlns:a14="http://schemas.microsoft.com/office/drawing/2010/main" val="0"/>
-              </a:ext>
-            </a:extLst>
-          </a:blip>
-          <a:srcRect l="37515" t="17119" r="45127" b="55589"/>
-          <a:stretch>
-            <a:fillRect/>
-          </a:stretch>
-        </p:blipFill>
-        <p:spPr bwMode="auto">
-          <a:xfrm rot="5400000">
-            <a:off x="-757855" y="5979372"/>
-            <a:ext cx="1410083" cy="1247140"/>
-          </a:xfrm>
-          <a:custGeom>
-            <a:avLst/>
-            <a:gdLst>
-              <a:gd name="connsiteX0" fmla="*/ 1118152 w 2236303"/>
-              <a:gd name="connsiteY0" fmla="*/ 0 h 1977886"/>
-              <a:gd name="connsiteX1" fmla="*/ 2236303 w 2236303"/>
-              <a:gd name="connsiteY1" fmla="*/ 988943 h 1977886"/>
-              <a:gd name="connsiteX2" fmla="*/ 1118152 w 2236303"/>
-              <a:gd name="connsiteY2" fmla="*/ 1977886 h 1977886"/>
-              <a:gd name="connsiteX3" fmla="*/ 0 w 2236303"/>
-              <a:gd name="connsiteY3" fmla="*/ 988943 h 1977886"/>
-              <a:gd name="connsiteX4" fmla="*/ 1118152 w 2236303"/>
-              <a:gd name="connsiteY4" fmla="*/ 0 h 1977886"/>
-            </a:gdLst>
-            <a:ahLst/>
-            <a:cxnLst>
-              <a:cxn ang="0">
-                <a:pos x="connsiteX0" y="connsiteY0"/>
-              </a:cxn>
-              <a:cxn ang="0">
-                <a:pos x="connsiteX1" y="connsiteY1"/>
-              </a:cxn>
-              <a:cxn ang="0">
-                <a:pos x="connsiteX2" y="connsiteY2"/>
-              </a:cxn>
-              <a:cxn ang="0">
-                <a:pos x="connsiteX3" y="connsiteY3"/>
-              </a:cxn>
-              <a:cxn ang="0">
-                <a:pos x="connsiteX4" y="connsiteY4"/>
-              </a:cxn>
-            </a:cxnLst>
-            <a:rect l="l" t="t" r="r" b="b"/>
-            <a:pathLst>
-              <a:path w="2236303" h="1977886">
-                <a:moveTo>
-                  <a:pt x="1118152" y="0"/>
-                </a:moveTo>
-                <a:lnTo>
-                  <a:pt x="2236303" y="988943"/>
-                </a:lnTo>
-                <a:lnTo>
-                  <a:pt x="1118152" y="1977886"/>
-                </a:lnTo>
-                <a:lnTo>
-                  <a:pt x="0" y="988943"/>
-                </a:lnTo>
-                <a:lnTo>
-                  <a:pt x="1118152" y="0"/>
-                </a:lnTo>
-                <a:close/>
-              </a:path>
-            </a:pathLst>
-          </a:custGeom>
-          <a:gradFill>
-            <a:gsLst>
-              <a:gs pos="63000">
-                <a:srgbClr val="EADCF4"/>
-              </a:gs>
-              <a:gs pos="83000">
-                <a:schemeClr val="accent1">
-                  <a:lumMod val="45000"/>
-                  <a:lumOff val="55000"/>
-                </a:schemeClr>
-              </a:gs>
-              <a:gs pos="0">
-                <a:schemeClr val="accent1">
-                  <a:lumMod val="45000"/>
-                  <a:lumOff val="55000"/>
-                </a:schemeClr>
-              </a:gs>
-              <a:gs pos="100000">
-                <a:schemeClr val="accent1">
-                  <a:lumMod val="30000"/>
-                  <a:lumOff val="70000"/>
-                </a:schemeClr>
-              </a:gs>
-            </a:gsLst>
-            <a:lin ang="5400000" scaled="1"/>
-          </a:gradFill>
-          <a:effectLst>
-            <a:outerShdw blurRad="50800" dist="38100" dir="2700000" algn="tl" rotWithShape="0">
-              <a:prstClr val="black">
-                <a:alpha val="40000"/>
-              </a:prstClr>
-            </a:outerShdw>
-            <a:reflection stA="0" endPos="65000" dir="5400000" sy="-100000" algn="bl" rotWithShape="0"/>
-          </a:effectLst>
-          <a:scene3d>
-            <a:camera prst="orthographicFront"/>
-            <a:lightRig rig="threePt" dir="t"/>
-          </a:scene3d>
-          <a:sp3d>
-            <a:bevelT prst="angle"/>
-          </a:sp3d>
-        </p:spPr>
-      </p:pic>
-      <p:pic>
-        <p:nvPicPr>
-          <p:cNvPr id="24" name="Picture 23" descr="Medical Notes: January 29, 2023 | Radio Health Journal">
-            <a:extLst>
-              <a:ext uri="{FF2B5EF4-FFF2-40B4-BE49-F238E27FC236}">
-                <a16:creationId xmlns:a16="http://schemas.microsoft.com/office/drawing/2014/main" id="{FEB2649A-5671-4831-8463-A726F0FE720B}"/>
-              </a:ext>
-            </a:extLst>
-          </p:cNvPr>
-          <p:cNvPicPr>
-            <a:picLocks noChangeAspect="1" noChangeArrowheads="1"/>
-          </p:cNvPicPr>
-          <p:nvPr/>
-        </p:nvPicPr>
-        <p:blipFill>
-          <a:blip r:embed="rId5">
-            <a:extLst>
-              <a:ext uri="{28A0092B-C50C-407E-A947-70E740481C1C}">
-                <a14:useLocalDpi xmlns:a14="http://schemas.microsoft.com/office/drawing/2010/main" val="0"/>
-              </a:ext>
-            </a:extLst>
-          </a:blip>
-          <a:srcRect l="48367" t="17119" r="20672" b="28571"/>
-          <a:stretch>
-            <a:fillRect/>
-          </a:stretch>
-        </p:blipFill>
-        <p:spPr bwMode="auto">
-          <a:xfrm rot="21420715">
-            <a:off x="11193471" y="6315441"/>
-            <a:ext cx="1148885" cy="1133618"/>
-          </a:xfrm>
-          <a:custGeom>
-            <a:avLst/>
-            <a:gdLst>
-              <a:gd name="connsiteX0" fmla="*/ 1994452 w 3988903"/>
-              <a:gd name="connsiteY0" fmla="*/ 0 h 3935894"/>
-              <a:gd name="connsiteX1" fmla="*/ 3988903 w 3988903"/>
-              <a:gd name="connsiteY1" fmla="*/ 1967947 h 3935894"/>
-              <a:gd name="connsiteX2" fmla="*/ 1994452 w 3988903"/>
-              <a:gd name="connsiteY2" fmla="*/ 3935894 h 3935894"/>
-              <a:gd name="connsiteX3" fmla="*/ 0 w 3988903"/>
-              <a:gd name="connsiteY3" fmla="*/ 1967947 h 3935894"/>
-              <a:gd name="connsiteX4" fmla="*/ 1994452 w 3988903"/>
-              <a:gd name="connsiteY4" fmla="*/ 0 h 3935894"/>
-            </a:gdLst>
-            <a:ahLst/>
-            <a:cxnLst>
-              <a:cxn ang="0">
-                <a:pos x="connsiteX0" y="connsiteY0"/>
-              </a:cxn>
-              <a:cxn ang="0">
-                <a:pos x="connsiteX1" y="connsiteY1"/>
-              </a:cxn>
-              <a:cxn ang="0">
-                <a:pos x="connsiteX2" y="connsiteY2"/>
-              </a:cxn>
-              <a:cxn ang="0">
-                <a:pos x="connsiteX3" y="connsiteY3"/>
-              </a:cxn>
-              <a:cxn ang="0">
-                <a:pos x="connsiteX4" y="connsiteY4"/>
-              </a:cxn>
-            </a:cxnLst>
-            <a:rect l="l" t="t" r="r" b="b"/>
-            <a:pathLst>
-              <a:path w="3988903" h="3935894">
-                <a:moveTo>
-                  <a:pt x="1994452" y="0"/>
-                </a:moveTo>
-                <a:lnTo>
-                  <a:pt x="3988903" y="1967947"/>
-                </a:lnTo>
-                <a:lnTo>
-                  <a:pt x="1994452" y="3935894"/>
-                </a:lnTo>
-                <a:lnTo>
-                  <a:pt x="0" y="1967947"/>
-                </a:lnTo>
-                <a:lnTo>
-                  <a:pt x="1994452" y="0"/>
-                </a:lnTo>
-                <a:close/>
-              </a:path>
-            </a:pathLst>
-          </a:custGeom>
-          <a:gradFill>
-            <a:gsLst>
-              <a:gs pos="63000">
-                <a:srgbClr val="EADCF4"/>
-              </a:gs>
-              <a:gs pos="83000">
-                <a:schemeClr val="accent1">
-                  <a:lumMod val="45000"/>
-                  <a:lumOff val="55000"/>
-                </a:schemeClr>
-              </a:gs>
-              <a:gs pos="0">
-                <a:schemeClr val="accent1">
-                  <a:lumMod val="45000"/>
-                  <a:lumOff val="55000"/>
-                </a:schemeClr>
-              </a:gs>
-              <a:gs pos="100000">
-                <a:schemeClr val="accent1">
-                  <a:lumMod val="30000"/>
-                  <a:lumOff val="70000"/>
-                </a:schemeClr>
-              </a:gs>
-            </a:gsLst>
-            <a:lin ang="5400000" scaled="1"/>
-          </a:gradFill>
-          <a:effectLst>
-            <a:outerShdw blurRad="50800" dist="38100" dir="2700000" algn="tl" rotWithShape="0">
-              <a:prstClr val="black">
-                <a:alpha val="40000"/>
-              </a:prstClr>
-            </a:outerShdw>
-            <a:reflection stA="0" endPos="65000" dir="5400000" sy="-100000" algn="bl" rotWithShape="0"/>
-          </a:effectLst>
-          <a:scene3d>
-            <a:camera prst="orthographicFront"/>
-            <a:lightRig rig="threePt" dir="t"/>
-          </a:scene3d>
-          <a:sp3d>
-            <a:bevelT prst="angle"/>
-          </a:sp3d>
-        </p:spPr>
-      </p:pic>
-      <p:pic>
-        <p:nvPicPr>
-          <p:cNvPr id="26" name="Picture 25" descr="Medical Notes: January 29, 2023 | Radio Health Journal">
-            <a:extLst>
-              <a:ext uri="{FF2B5EF4-FFF2-40B4-BE49-F238E27FC236}">
-                <a16:creationId xmlns:a16="http://schemas.microsoft.com/office/drawing/2014/main" id="{D60A320B-BC66-4C45-921A-A35B9F27DE80}"/>
-              </a:ext>
-            </a:extLst>
-          </p:cNvPr>
-          <p:cNvPicPr>
-            <a:picLocks noChangeAspect="1" noChangeArrowheads="1"/>
-          </p:cNvPicPr>
-          <p:nvPr/>
-        </p:nvPicPr>
-        <p:blipFill>
-          <a:blip r:embed="rId5">
-            <a:extLst>
-              <a:ext uri="{28A0092B-C50C-407E-A947-70E740481C1C}">
-                <a14:useLocalDpi xmlns:a14="http://schemas.microsoft.com/office/drawing/2010/main" val="0"/>
-              </a:ext>
-            </a:extLst>
-          </a:blip>
-          <a:srcRect l="37258" t="46377" r="41874" b="16044"/>
-          <a:stretch>
-            <a:fillRect/>
-          </a:stretch>
-        </p:blipFill>
-        <p:spPr bwMode="auto">
-          <a:xfrm rot="21157708">
-            <a:off x="-847618" y="-582676"/>
-            <a:ext cx="1695236" cy="1717169"/>
-          </a:xfrm>
-          <a:custGeom>
-            <a:avLst/>
-            <a:gdLst>
-              <a:gd name="connsiteX0" fmla="*/ 1344268 w 2688536"/>
-              <a:gd name="connsiteY0" fmla="*/ 0 h 2723320"/>
-              <a:gd name="connsiteX1" fmla="*/ 2688536 w 2688536"/>
-              <a:gd name="connsiteY1" fmla="*/ 1361660 h 2723320"/>
-              <a:gd name="connsiteX2" fmla="*/ 1344268 w 2688536"/>
-              <a:gd name="connsiteY2" fmla="*/ 2723320 h 2723320"/>
-              <a:gd name="connsiteX3" fmla="*/ 0 w 2688536"/>
-              <a:gd name="connsiteY3" fmla="*/ 1361660 h 2723320"/>
-              <a:gd name="connsiteX4" fmla="*/ 1344268 w 2688536"/>
-              <a:gd name="connsiteY4" fmla="*/ 0 h 2723320"/>
-            </a:gdLst>
-            <a:ahLst/>
-            <a:cxnLst>
-              <a:cxn ang="0">
-                <a:pos x="connsiteX0" y="connsiteY0"/>
-              </a:cxn>
-              <a:cxn ang="0">
-                <a:pos x="connsiteX1" y="connsiteY1"/>
-              </a:cxn>
-              <a:cxn ang="0">
-                <a:pos x="connsiteX2" y="connsiteY2"/>
-              </a:cxn>
-              <a:cxn ang="0">
-                <a:pos x="connsiteX3" y="connsiteY3"/>
-              </a:cxn>
-              <a:cxn ang="0">
-                <a:pos x="connsiteX4" y="connsiteY4"/>
-              </a:cxn>
-            </a:cxnLst>
-            <a:rect l="l" t="t" r="r" b="b"/>
-            <a:pathLst>
-              <a:path w="2688536" h="2723320">
-                <a:moveTo>
-                  <a:pt x="1344268" y="0"/>
-                </a:moveTo>
-                <a:lnTo>
-                  <a:pt x="2688536" y="1361660"/>
-                </a:lnTo>
-                <a:lnTo>
-                  <a:pt x="1344268" y="2723320"/>
-                </a:lnTo>
-                <a:lnTo>
-                  <a:pt x="0" y="1361660"/>
-                </a:lnTo>
-                <a:lnTo>
-                  <a:pt x="1344268" y="0"/>
-                </a:lnTo>
-                <a:close/>
-              </a:path>
-            </a:pathLst>
-          </a:custGeom>
-          <a:gradFill>
-            <a:gsLst>
-              <a:gs pos="63000">
-                <a:srgbClr val="EADCF4"/>
-              </a:gs>
-              <a:gs pos="83000">
-                <a:schemeClr val="accent1">
-                  <a:lumMod val="45000"/>
-                  <a:lumOff val="55000"/>
-                </a:schemeClr>
-              </a:gs>
-              <a:gs pos="0">
-                <a:schemeClr val="accent1">
-                  <a:lumMod val="45000"/>
-                  <a:lumOff val="55000"/>
-                </a:schemeClr>
-              </a:gs>
-              <a:gs pos="100000">
-                <a:schemeClr val="accent1">
-                  <a:lumMod val="30000"/>
-                  <a:lumOff val="70000"/>
-                </a:schemeClr>
-              </a:gs>
-            </a:gsLst>
-            <a:lin ang="5400000" scaled="1"/>
-          </a:gradFill>
-          <a:effectLst>
-            <a:outerShdw blurRad="50800" dist="38100" dir="2700000" algn="tl" rotWithShape="0">
-              <a:prstClr val="black">
-                <a:alpha val="40000"/>
-              </a:prstClr>
-            </a:outerShdw>
-            <a:reflection stA="0" endPos="65000" dir="5400000" sy="-100000" algn="bl" rotWithShape="0"/>
-          </a:effectLst>
-          <a:scene3d>
-            <a:camera prst="orthographicFront"/>
-            <a:lightRig rig="threePt" dir="t"/>
-          </a:scene3d>
-          <a:sp3d>
-            <a:bevelT prst="angle"/>
-          </a:sp3d>
-        </p:spPr>
-      </p:pic>
-      <p:pic>
-        <p:nvPicPr>
-          <p:cNvPr id="28" name="Picture 27" descr="Medical Notes: January 29, 2023 | Radio Health Journal">
-            <a:extLst>
-              <a:ext uri="{FF2B5EF4-FFF2-40B4-BE49-F238E27FC236}">
-                <a16:creationId xmlns:a16="http://schemas.microsoft.com/office/drawing/2014/main" id="{74BBE9F8-E618-4A71-927E-5EBBA127BC44}"/>
-              </a:ext>
-            </a:extLst>
-          </p:cNvPr>
-          <p:cNvPicPr>
-            <a:picLocks noChangeAspect="1" noChangeArrowheads="1"/>
-          </p:cNvPicPr>
-          <p:nvPr/>
-        </p:nvPicPr>
-        <p:blipFill>
-          <a:blip r:embed="rId5">
-            <a:extLst>
-              <a:ext uri="{28A0092B-C50C-407E-A947-70E740481C1C}">
-                <a14:useLocalDpi xmlns:a14="http://schemas.microsoft.com/office/drawing/2010/main" val="0"/>
-              </a:ext>
-            </a:extLst>
-          </a:blip>
-          <a:srcRect l="74288" t="50000" r="19643" b="38800"/>
-          <a:stretch>
-            <a:fillRect/>
-          </a:stretch>
-        </p:blipFill>
-        <p:spPr bwMode="auto">
-          <a:xfrm rot="5400000">
-            <a:off x="573592" y="6602942"/>
-            <a:ext cx="535043" cy="555444"/>
-          </a:xfrm>
-          <a:custGeom>
-            <a:avLst/>
-            <a:gdLst>
-              <a:gd name="connsiteX0" fmla="*/ 390940 w 781880"/>
-              <a:gd name="connsiteY0" fmla="*/ 0 h 811694"/>
-              <a:gd name="connsiteX1" fmla="*/ 781880 w 781880"/>
-              <a:gd name="connsiteY1" fmla="*/ 405847 h 811694"/>
-              <a:gd name="connsiteX2" fmla="*/ 390940 w 781880"/>
-              <a:gd name="connsiteY2" fmla="*/ 811694 h 811694"/>
-              <a:gd name="connsiteX3" fmla="*/ 0 w 781880"/>
-              <a:gd name="connsiteY3" fmla="*/ 405847 h 811694"/>
-              <a:gd name="connsiteX4" fmla="*/ 390940 w 781880"/>
-              <a:gd name="connsiteY4" fmla="*/ 0 h 811694"/>
-            </a:gdLst>
-            <a:ahLst/>
-            <a:cxnLst>
-              <a:cxn ang="0">
-                <a:pos x="connsiteX0" y="connsiteY0"/>
-              </a:cxn>
-              <a:cxn ang="0">
-                <a:pos x="connsiteX1" y="connsiteY1"/>
-              </a:cxn>
-              <a:cxn ang="0">
-                <a:pos x="connsiteX2" y="connsiteY2"/>
-              </a:cxn>
-              <a:cxn ang="0">
-                <a:pos x="connsiteX3" y="connsiteY3"/>
-              </a:cxn>
-              <a:cxn ang="0">
-                <a:pos x="connsiteX4" y="connsiteY4"/>
-              </a:cxn>
-            </a:cxnLst>
-            <a:rect l="l" t="t" r="r" b="b"/>
-            <a:pathLst>
-              <a:path w="781880" h="811694">
-                <a:moveTo>
-                  <a:pt x="390940" y="0"/>
-                </a:moveTo>
-                <a:lnTo>
-                  <a:pt x="781880" y="405847"/>
-                </a:lnTo>
-                <a:lnTo>
-                  <a:pt x="390940" y="811694"/>
-                </a:lnTo>
-                <a:lnTo>
-                  <a:pt x="0" y="405847"/>
-                </a:lnTo>
-                <a:lnTo>
-                  <a:pt x="390940" y="0"/>
-                </a:lnTo>
-                <a:close/>
-              </a:path>
-            </a:pathLst>
-          </a:custGeom>
-          <a:gradFill>
-            <a:gsLst>
-              <a:gs pos="63000">
-                <a:srgbClr val="EADCF4"/>
-              </a:gs>
-              <a:gs pos="83000">
-                <a:schemeClr val="accent1">
-                  <a:lumMod val="45000"/>
-                  <a:lumOff val="55000"/>
-                </a:schemeClr>
-              </a:gs>
-              <a:gs pos="0">
-                <a:schemeClr val="accent1">
-                  <a:lumMod val="45000"/>
-                  <a:lumOff val="55000"/>
-                </a:schemeClr>
-              </a:gs>
-              <a:gs pos="100000">
-                <a:schemeClr val="accent1">
-                  <a:lumMod val="30000"/>
-                  <a:lumOff val="70000"/>
-                </a:schemeClr>
-              </a:gs>
-            </a:gsLst>
-            <a:lin ang="5400000" scaled="1"/>
-          </a:gradFill>
-          <a:effectLst>
-            <a:outerShdw blurRad="50800" dist="38100" dir="2700000" algn="tl" rotWithShape="0">
-              <a:prstClr val="black">
-                <a:alpha val="40000"/>
-              </a:prstClr>
-            </a:outerShdw>
-            <a:reflection stA="0" endPos="65000" dir="5400000" sy="-100000" algn="bl" rotWithShape="0"/>
-          </a:effectLst>
-          <a:scene3d>
-            <a:camera prst="orthographicFront"/>
-            <a:lightRig rig="threePt" dir="t"/>
-          </a:scene3d>
-          <a:sp3d>
-            <a:bevelT prst="angle"/>
-          </a:sp3d>
-        </p:spPr>
-      </p:pic>
-      <p:pic>
-        <p:nvPicPr>
-          <p:cNvPr id="30" name="Picture 29" descr="Medical Notes: January 29, 2023 | Radio Health Journal">
-            <a:extLst>
-              <a:ext uri="{FF2B5EF4-FFF2-40B4-BE49-F238E27FC236}">
-                <a16:creationId xmlns:a16="http://schemas.microsoft.com/office/drawing/2014/main" id="{15E5BF19-F1B0-4B29-AD84-0ACD1EE93A68}"/>
-              </a:ext>
-            </a:extLst>
-          </p:cNvPr>
-          <p:cNvPicPr>
-            <a:picLocks noChangeAspect="1" noChangeArrowheads="1"/>
-          </p:cNvPicPr>
-          <p:nvPr/>
-        </p:nvPicPr>
-        <p:blipFill>
-          <a:blip r:embed="rId5">
-            <a:extLst>
-              <a:ext uri="{28A0092B-C50C-407E-A947-70E740481C1C}">
-                <a14:useLocalDpi xmlns:a14="http://schemas.microsoft.com/office/drawing/2010/main" val="0"/>
-              </a:ext>
-            </a:extLst>
-          </a:blip>
-          <a:srcRect l="84102" t="50831" r="9621" b="38339"/>
-          <a:stretch>
-            <a:fillRect/>
-          </a:stretch>
-        </p:blipFill>
-        <p:spPr bwMode="auto">
-          <a:xfrm rot="21420715">
-            <a:off x="10543990" y="6663545"/>
-            <a:ext cx="509973" cy="494841"/>
-          </a:xfrm>
-          <a:custGeom>
-            <a:avLst/>
-            <a:gdLst>
-              <a:gd name="connsiteX0" fmla="*/ 404394 w 808788"/>
-              <a:gd name="connsiteY0" fmla="*/ 0 h 784789"/>
-              <a:gd name="connsiteX1" fmla="*/ 808788 w 808788"/>
-              <a:gd name="connsiteY1" fmla="*/ 392395 h 784789"/>
-              <a:gd name="connsiteX2" fmla="*/ 404394 w 808788"/>
-              <a:gd name="connsiteY2" fmla="*/ 784789 h 784789"/>
-              <a:gd name="connsiteX3" fmla="*/ 0 w 808788"/>
-              <a:gd name="connsiteY3" fmla="*/ 392395 h 784789"/>
-              <a:gd name="connsiteX4" fmla="*/ 404394 w 808788"/>
-              <a:gd name="connsiteY4" fmla="*/ 0 h 784789"/>
-            </a:gdLst>
-            <a:ahLst/>
-            <a:cxnLst>
-              <a:cxn ang="0">
-                <a:pos x="connsiteX0" y="connsiteY0"/>
-              </a:cxn>
-              <a:cxn ang="0">
-                <a:pos x="connsiteX1" y="connsiteY1"/>
-              </a:cxn>
-              <a:cxn ang="0">
-                <a:pos x="connsiteX2" y="connsiteY2"/>
-              </a:cxn>
-              <a:cxn ang="0">
-                <a:pos x="connsiteX3" y="connsiteY3"/>
-              </a:cxn>
-              <a:cxn ang="0">
-                <a:pos x="connsiteX4" y="connsiteY4"/>
-              </a:cxn>
-            </a:cxnLst>
-            <a:rect l="l" t="t" r="r" b="b"/>
-            <a:pathLst>
-              <a:path w="808788" h="784789">
-                <a:moveTo>
-                  <a:pt x="404394" y="0"/>
-                </a:moveTo>
-                <a:lnTo>
-                  <a:pt x="808788" y="392395"/>
-                </a:lnTo>
-                <a:lnTo>
-                  <a:pt x="404394" y="784789"/>
-                </a:lnTo>
-                <a:lnTo>
-                  <a:pt x="0" y="392395"/>
-                </a:lnTo>
-                <a:lnTo>
-                  <a:pt x="404394" y="0"/>
-                </a:lnTo>
-                <a:close/>
-              </a:path>
-            </a:pathLst>
-          </a:custGeom>
-          <a:gradFill>
-            <a:gsLst>
-              <a:gs pos="63000">
-                <a:srgbClr val="EADCF4"/>
-              </a:gs>
-              <a:gs pos="83000">
-                <a:schemeClr val="accent1">
-                  <a:lumMod val="45000"/>
-                  <a:lumOff val="55000"/>
-                </a:schemeClr>
-              </a:gs>
-              <a:gs pos="0">
-                <a:schemeClr val="accent1">
-                  <a:lumMod val="45000"/>
-                  <a:lumOff val="55000"/>
-                </a:schemeClr>
-              </a:gs>
-              <a:gs pos="100000">
-                <a:schemeClr val="accent1">
-                  <a:lumMod val="30000"/>
-                  <a:lumOff val="70000"/>
-                </a:schemeClr>
-              </a:gs>
-            </a:gsLst>
-            <a:lin ang="5400000" scaled="1"/>
-          </a:gradFill>
-          <a:effectLst>
-            <a:outerShdw blurRad="50800" dist="38100" dir="2700000" algn="tl" rotWithShape="0">
-              <a:prstClr val="black">
-                <a:alpha val="40000"/>
-              </a:prstClr>
-            </a:outerShdw>
-            <a:reflection stA="0" endPos="65000" dir="5400000" sy="-100000" algn="bl" rotWithShape="0"/>
-          </a:effectLst>
-          <a:scene3d>
-            <a:camera prst="orthographicFront"/>
-            <a:lightRig rig="threePt" dir="t"/>
-          </a:scene3d>
-          <a:sp3d>
-            <a:bevelT prst="angle"/>
-          </a:sp3d>
-        </p:spPr>
-      </p:pic>
-      <p:pic>
-        <p:nvPicPr>
-          <p:cNvPr id="31" name="Picture 30" descr="Medical Notes: January 29, 2023 | Radio Health Journal">
-            <a:extLst>
-              <a:ext uri="{FF2B5EF4-FFF2-40B4-BE49-F238E27FC236}">
-                <a16:creationId xmlns:a16="http://schemas.microsoft.com/office/drawing/2014/main" id="{F592D25F-291E-4D20-8A5E-1FF85E071281}"/>
-              </a:ext>
-            </a:extLst>
-          </p:cNvPr>
-          <p:cNvPicPr>
-            <a:picLocks noChangeAspect="1" noChangeArrowheads="1"/>
-          </p:cNvPicPr>
-          <p:nvPr/>
-        </p:nvPicPr>
-        <p:blipFill>
-          <a:blip r:embed="rId5">
-            <a:extLst>
-              <a:ext uri="{28A0092B-C50C-407E-A947-70E740481C1C}">
-                <a14:useLocalDpi xmlns:a14="http://schemas.microsoft.com/office/drawing/2010/main" val="0"/>
-              </a:ext>
-            </a:extLst>
-          </a:blip>
-          <a:srcRect l="53098" t="65806" r="35201" b="12341"/>
-          <a:stretch>
-            <a:fillRect/>
-          </a:stretch>
-        </p:blipFill>
-        <p:spPr bwMode="auto">
-          <a:xfrm rot="11997918">
-            <a:off x="11758634" y="408992"/>
-            <a:ext cx="866732" cy="910545"/>
-          </a:xfrm>
-          <a:custGeom>
-            <a:avLst/>
-            <a:gdLst>
-              <a:gd name="connsiteX0" fmla="*/ 753717 w 1507433"/>
-              <a:gd name="connsiteY0" fmla="*/ 0 h 1583633"/>
-              <a:gd name="connsiteX1" fmla="*/ 1507433 w 1507433"/>
-              <a:gd name="connsiteY1" fmla="*/ 791817 h 1583633"/>
-              <a:gd name="connsiteX2" fmla="*/ 753717 w 1507433"/>
-              <a:gd name="connsiteY2" fmla="*/ 1583633 h 1583633"/>
-              <a:gd name="connsiteX3" fmla="*/ 0 w 1507433"/>
-              <a:gd name="connsiteY3" fmla="*/ 791817 h 1583633"/>
-              <a:gd name="connsiteX4" fmla="*/ 753717 w 1507433"/>
-              <a:gd name="connsiteY4" fmla="*/ 0 h 1583633"/>
-            </a:gdLst>
-            <a:ahLst/>
-            <a:cxnLst>
-              <a:cxn ang="0">
-                <a:pos x="connsiteX0" y="connsiteY0"/>
-              </a:cxn>
-              <a:cxn ang="0">
-                <a:pos x="connsiteX1" y="connsiteY1"/>
-              </a:cxn>
-              <a:cxn ang="0">
-                <a:pos x="connsiteX2" y="connsiteY2"/>
-              </a:cxn>
-              <a:cxn ang="0">
-                <a:pos x="connsiteX3" y="connsiteY3"/>
-              </a:cxn>
-              <a:cxn ang="0">
-                <a:pos x="connsiteX4" y="connsiteY4"/>
-              </a:cxn>
-            </a:cxnLst>
-            <a:rect l="l" t="t" r="r" b="b"/>
-            <a:pathLst>
-              <a:path w="1507433" h="1583633">
-                <a:moveTo>
-                  <a:pt x="753717" y="0"/>
-                </a:moveTo>
-                <a:lnTo>
-                  <a:pt x="1507433" y="791817"/>
-                </a:lnTo>
-                <a:lnTo>
-                  <a:pt x="753717" y="1583633"/>
-                </a:lnTo>
-                <a:lnTo>
-                  <a:pt x="0" y="791817"/>
-                </a:lnTo>
-                <a:lnTo>
-                  <a:pt x="753717" y="0"/>
-                </a:lnTo>
-                <a:close/>
-              </a:path>
-            </a:pathLst>
-          </a:custGeom>
-          <a:gradFill>
-            <a:gsLst>
-              <a:gs pos="63000">
-                <a:srgbClr val="EADCF4"/>
-              </a:gs>
-              <a:gs pos="83000">
-                <a:schemeClr val="accent1">
-                  <a:lumMod val="45000"/>
-                  <a:lumOff val="55000"/>
-                </a:schemeClr>
-              </a:gs>
-              <a:gs pos="0">
-                <a:schemeClr val="accent1">
-                  <a:lumMod val="45000"/>
-                  <a:lumOff val="55000"/>
-                </a:schemeClr>
-              </a:gs>
-              <a:gs pos="100000">
-                <a:schemeClr val="accent1">
-                  <a:lumMod val="30000"/>
-                  <a:lumOff val="70000"/>
-                </a:schemeClr>
-              </a:gs>
-            </a:gsLst>
-            <a:lin ang="5400000" scaled="1"/>
-          </a:gradFill>
-          <a:effectLst>
-            <a:outerShdw blurRad="50800" dist="38100" dir="2700000" algn="tl" rotWithShape="0">
-              <a:prstClr val="black">
-                <a:alpha val="40000"/>
-              </a:prstClr>
-            </a:outerShdw>
-            <a:reflection stA="0" endPos="65000" dir="5400000" sy="-100000" algn="bl" rotWithShape="0"/>
-          </a:effectLst>
-          <a:scene3d>
-            <a:camera prst="orthographicFront"/>
-            <a:lightRig rig="threePt" dir="t"/>
-          </a:scene3d>
-          <a:sp3d>
-            <a:bevelT prst="angle"/>
-          </a:sp3d>
-        </p:spPr>
-      </p:pic>
-      <p:pic>
-        <p:nvPicPr>
-          <p:cNvPr id="32" name="Picture 31" descr="Medical Notes: January 29, 2023 | Radio Health Journal">
-            <a:extLst>
-              <a:ext uri="{FF2B5EF4-FFF2-40B4-BE49-F238E27FC236}">
-                <a16:creationId xmlns:a16="http://schemas.microsoft.com/office/drawing/2014/main" id="{795728B2-7F09-41B3-A903-811B3E36CB98}"/>
-              </a:ext>
-            </a:extLst>
-          </p:cNvPr>
-          <p:cNvPicPr>
-            <a:picLocks noChangeAspect="1" noChangeArrowheads="1"/>
-          </p:cNvPicPr>
-          <p:nvPr/>
-        </p:nvPicPr>
-        <p:blipFill>
-          <a:blip r:embed="rId5">
-            <a:extLst>
-              <a:ext uri="{28A0092B-C50C-407E-A947-70E740481C1C}">
-                <a14:useLocalDpi xmlns:a14="http://schemas.microsoft.com/office/drawing/2010/main" val="0"/>
-              </a:ext>
-            </a:extLst>
-          </a:blip>
-          <a:srcRect l="84471" t="68968" r="9251" b="20203"/>
-          <a:stretch>
-            <a:fillRect/>
-          </a:stretch>
-        </p:blipFill>
-        <p:spPr bwMode="auto">
-          <a:xfrm rot="5400000">
-            <a:off x="424086" y="6031306"/>
-            <a:ext cx="509973" cy="494841"/>
-          </a:xfrm>
-          <a:custGeom>
-            <a:avLst/>
-            <a:gdLst>
-              <a:gd name="connsiteX0" fmla="*/ 404394 w 808788"/>
-              <a:gd name="connsiteY0" fmla="*/ 0 h 784789"/>
-              <a:gd name="connsiteX1" fmla="*/ 808788 w 808788"/>
-              <a:gd name="connsiteY1" fmla="*/ 392395 h 784789"/>
-              <a:gd name="connsiteX2" fmla="*/ 404394 w 808788"/>
-              <a:gd name="connsiteY2" fmla="*/ 784789 h 784789"/>
-              <a:gd name="connsiteX3" fmla="*/ 0 w 808788"/>
-              <a:gd name="connsiteY3" fmla="*/ 392395 h 784789"/>
-              <a:gd name="connsiteX4" fmla="*/ 404394 w 808788"/>
-              <a:gd name="connsiteY4" fmla="*/ 0 h 784789"/>
-            </a:gdLst>
-            <a:ahLst/>
-            <a:cxnLst>
-              <a:cxn ang="0">
-                <a:pos x="connsiteX0" y="connsiteY0"/>
-              </a:cxn>
-              <a:cxn ang="0">
-                <a:pos x="connsiteX1" y="connsiteY1"/>
-              </a:cxn>
-              <a:cxn ang="0">
-                <a:pos x="connsiteX2" y="connsiteY2"/>
-              </a:cxn>
-              <a:cxn ang="0">
-                <a:pos x="connsiteX3" y="connsiteY3"/>
-              </a:cxn>
-              <a:cxn ang="0">
-                <a:pos x="connsiteX4" y="connsiteY4"/>
-              </a:cxn>
-            </a:cxnLst>
-            <a:rect l="l" t="t" r="r" b="b"/>
-            <a:pathLst>
-              <a:path w="808788" h="784789">
-                <a:moveTo>
-                  <a:pt x="404394" y="0"/>
-                </a:moveTo>
-                <a:lnTo>
-                  <a:pt x="808788" y="392395"/>
-                </a:lnTo>
-                <a:lnTo>
-                  <a:pt x="404394" y="784789"/>
-                </a:lnTo>
-                <a:lnTo>
-                  <a:pt x="0" y="392395"/>
-                </a:lnTo>
-                <a:lnTo>
-                  <a:pt x="404394" y="0"/>
-                </a:lnTo>
-                <a:close/>
-              </a:path>
-            </a:pathLst>
-          </a:custGeom>
-          <a:gradFill>
-            <a:gsLst>
-              <a:gs pos="63000">
-                <a:srgbClr val="EADCF4"/>
-              </a:gs>
-              <a:gs pos="83000">
-                <a:schemeClr val="accent1">
-                  <a:lumMod val="45000"/>
-                  <a:lumOff val="55000"/>
-                </a:schemeClr>
-              </a:gs>
-              <a:gs pos="0">
-                <a:schemeClr val="accent1">
-                  <a:lumMod val="45000"/>
-                  <a:lumOff val="55000"/>
-                </a:schemeClr>
-              </a:gs>
-              <a:gs pos="100000">
-                <a:schemeClr val="accent1">
-                  <a:lumMod val="30000"/>
-                  <a:lumOff val="70000"/>
-                </a:schemeClr>
-              </a:gs>
-            </a:gsLst>
-            <a:lin ang="5400000" scaled="1"/>
-          </a:gradFill>
-          <a:effectLst>
-            <a:outerShdw blurRad="50800" dist="38100" dir="2700000" algn="tl" rotWithShape="0">
-              <a:prstClr val="black">
-                <a:alpha val="40000"/>
-              </a:prstClr>
-            </a:outerShdw>
-            <a:reflection stA="0" endPos="65000" dir="5400000" sy="-100000" algn="bl" rotWithShape="0"/>
-          </a:effectLst>
-          <a:scene3d>
-            <a:camera prst="orthographicFront"/>
-            <a:lightRig rig="threePt" dir="t"/>
-          </a:scene3d>
-          <a:sp3d>
-            <a:bevelT prst="angle"/>
-          </a:sp3d>
-        </p:spPr>
-      </p:pic>
-      <p:pic>
-        <p:nvPicPr>
-          <p:cNvPr id="33" name="Picture 32" descr="Medical Notes: January 29, 2023 | Radio Health Journal">
-            <a:extLst>
-              <a:ext uri="{FF2B5EF4-FFF2-40B4-BE49-F238E27FC236}">
-                <a16:creationId xmlns:a16="http://schemas.microsoft.com/office/drawing/2014/main" id="{224EBC80-8534-43E5-8549-44C4CE02F4D3}"/>
-              </a:ext>
-            </a:extLst>
-          </p:cNvPr>
-          <p:cNvPicPr>
-            <a:picLocks noChangeAspect="1" noChangeArrowheads="1"/>
-          </p:cNvPicPr>
-          <p:nvPr/>
-        </p:nvPicPr>
-        <p:blipFill>
-          <a:blip r:embed="rId5">
-            <a:extLst>
-              <a:ext uri="{28A0092B-C50C-407E-A947-70E740481C1C}">
-                <a14:useLocalDpi xmlns:a14="http://schemas.microsoft.com/office/drawing/2010/main" val="0"/>
-              </a:ext>
-            </a:extLst>
-          </a:blip>
-          <a:srcRect l="80276" t="76612" r="13446" b="12559"/>
-          <a:stretch>
-            <a:fillRect/>
-          </a:stretch>
-        </p:blipFill>
-        <p:spPr bwMode="auto">
-          <a:xfrm rot="15594237">
-            <a:off x="130782" y="876106"/>
-            <a:ext cx="509973" cy="494841"/>
-          </a:xfrm>
-          <a:custGeom>
-            <a:avLst/>
-            <a:gdLst>
-              <a:gd name="connsiteX0" fmla="*/ 404394 w 808788"/>
-              <a:gd name="connsiteY0" fmla="*/ 0 h 784789"/>
-              <a:gd name="connsiteX1" fmla="*/ 808788 w 808788"/>
-              <a:gd name="connsiteY1" fmla="*/ 392395 h 784789"/>
-              <a:gd name="connsiteX2" fmla="*/ 404394 w 808788"/>
-              <a:gd name="connsiteY2" fmla="*/ 784789 h 784789"/>
-              <a:gd name="connsiteX3" fmla="*/ 0 w 808788"/>
-              <a:gd name="connsiteY3" fmla="*/ 392395 h 784789"/>
-              <a:gd name="connsiteX4" fmla="*/ 404394 w 808788"/>
-              <a:gd name="connsiteY4" fmla="*/ 0 h 784789"/>
-            </a:gdLst>
-            <a:ahLst/>
-            <a:cxnLst>
-              <a:cxn ang="0">
-                <a:pos x="connsiteX0" y="connsiteY0"/>
-              </a:cxn>
-              <a:cxn ang="0">
-                <a:pos x="connsiteX1" y="connsiteY1"/>
-              </a:cxn>
-              <a:cxn ang="0">
-                <a:pos x="connsiteX2" y="connsiteY2"/>
-              </a:cxn>
-              <a:cxn ang="0">
-                <a:pos x="connsiteX3" y="connsiteY3"/>
-              </a:cxn>
-              <a:cxn ang="0">
-                <a:pos x="connsiteX4" y="connsiteY4"/>
-              </a:cxn>
-            </a:cxnLst>
-            <a:rect l="l" t="t" r="r" b="b"/>
-            <a:pathLst>
-              <a:path w="808788" h="784789">
-                <a:moveTo>
-                  <a:pt x="404394" y="0"/>
-                </a:moveTo>
-                <a:lnTo>
-                  <a:pt x="808788" y="392395"/>
-                </a:lnTo>
-                <a:lnTo>
-                  <a:pt x="404394" y="784789"/>
-                </a:lnTo>
-                <a:lnTo>
-                  <a:pt x="0" y="392395"/>
-                </a:lnTo>
-                <a:lnTo>
-                  <a:pt x="404394" y="0"/>
-                </a:lnTo>
-                <a:close/>
-              </a:path>
-            </a:pathLst>
-          </a:custGeom>
-          <a:gradFill>
-            <a:gsLst>
-              <a:gs pos="63000">
-                <a:srgbClr val="EADCF4"/>
-              </a:gs>
-              <a:gs pos="83000">
-                <a:schemeClr val="accent1">
-                  <a:lumMod val="45000"/>
-                  <a:lumOff val="55000"/>
-                </a:schemeClr>
-              </a:gs>
-              <a:gs pos="0">
-                <a:schemeClr val="accent1">
-                  <a:lumMod val="45000"/>
-                  <a:lumOff val="55000"/>
-                </a:schemeClr>
-              </a:gs>
-              <a:gs pos="100000">
-                <a:schemeClr val="accent1">
-                  <a:lumMod val="30000"/>
-                  <a:lumOff val="70000"/>
-                </a:schemeClr>
-              </a:gs>
-            </a:gsLst>
-            <a:lin ang="5400000" scaled="1"/>
-          </a:gradFill>
-          <a:effectLst>
-            <a:outerShdw blurRad="50800" dist="38100" dir="2700000" algn="tl" rotWithShape="0">
-              <a:prstClr val="black">
-                <a:alpha val="40000"/>
-              </a:prstClr>
-            </a:outerShdw>
-            <a:reflection stA="0" endPos="65000" dir="5400000" sy="-100000" algn="bl" rotWithShape="0"/>
-          </a:effectLst>
-          <a:scene3d>
-            <a:camera prst="orthographicFront"/>
-            <a:lightRig rig="threePt" dir="t"/>
-          </a:scene3d>
-          <a:sp3d>
-            <a:bevelT prst="angle"/>
-          </a:sp3d>
-        </p:spPr>
-      </p:pic>
-      <p:pic>
-        <p:nvPicPr>
-          <p:cNvPr id="34" name="Picture 33" descr="Medical Notes: January 29, 2023 | Radio Health Journal">
-            <a:extLst>
-              <a:ext uri="{FF2B5EF4-FFF2-40B4-BE49-F238E27FC236}">
-                <a16:creationId xmlns:a16="http://schemas.microsoft.com/office/drawing/2014/main" id="{10FCFEF8-B041-4BC8-94CA-AC33915DC943}"/>
-              </a:ext>
-            </a:extLst>
-          </p:cNvPr>
-          <p:cNvPicPr>
-            <a:picLocks noChangeAspect="1" noChangeArrowheads="1"/>
-          </p:cNvPicPr>
-          <p:nvPr/>
-        </p:nvPicPr>
-        <p:blipFill>
-          <a:blip r:embed="rId5">
-            <a:extLst>
-              <a:ext uri="{28A0092B-C50C-407E-A947-70E740481C1C}">
-                <a14:useLocalDpi xmlns:a14="http://schemas.microsoft.com/office/drawing/2010/main" val="0"/>
-              </a:ext>
-            </a:extLst>
-          </a:blip>
-          <a:srcRect l="83590" t="83585" r="7621" b="2698"/>
-          <a:stretch>
-            <a:fillRect/>
-          </a:stretch>
-        </p:blipFill>
-        <p:spPr bwMode="auto">
-          <a:xfrm rot="15757708">
-            <a:off x="-329146" y="1123527"/>
-            <a:ext cx="713918" cy="626794"/>
-          </a:xfrm>
-          <a:custGeom>
-            <a:avLst/>
-            <a:gdLst>
-              <a:gd name="connsiteX0" fmla="*/ 566117 w 1132235"/>
-              <a:gd name="connsiteY0" fmla="*/ 0 h 994059"/>
-              <a:gd name="connsiteX1" fmla="*/ 1132235 w 1132235"/>
-              <a:gd name="connsiteY1" fmla="*/ 497030 h 994059"/>
-              <a:gd name="connsiteX2" fmla="*/ 566117 w 1132235"/>
-              <a:gd name="connsiteY2" fmla="*/ 994059 h 994059"/>
-              <a:gd name="connsiteX3" fmla="*/ 0 w 1132235"/>
-              <a:gd name="connsiteY3" fmla="*/ 497030 h 994059"/>
-              <a:gd name="connsiteX4" fmla="*/ 566117 w 1132235"/>
-              <a:gd name="connsiteY4" fmla="*/ 0 h 994059"/>
-            </a:gdLst>
-            <a:ahLst/>
-            <a:cxnLst>
-              <a:cxn ang="0">
-                <a:pos x="connsiteX0" y="connsiteY0"/>
-              </a:cxn>
-              <a:cxn ang="0">
-                <a:pos x="connsiteX1" y="connsiteY1"/>
-              </a:cxn>
-              <a:cxn ang="0">
-                <a:pos x="connsiteX2" y="connsiteY2"/>
-              </a:cxn>
-              <a:cxn ang="0">
-                <a:pos x="connsiteX3" y="connsiteY3"/>
-              </a:cxn>
-              <a:cxn ang="0">
-                <a:pos x="connsiteX4" y="connsiteY4"/>
-              </a:cxn>
-            </a:cxnLst>
-            <a:rect l="l" t="t" r="r" b="b"/>
-            <a:pathLst>
-              <a:path w="1132235" h="994059">
-                <a:moveTo>
-                  <a:pt x="566117" y="0"/>
-                </a:moveTo>
-                <a:lnTo>
-                  <a:pt x="1132235" y="497030"/>
-                </a:lnTo>
-                <a:lnTo>
-                  <a:pt x="566117" y="994059"/>
-                </a:lnTo>
-                <a:lnTo>
-                  <a:pt x="0" y="497030"/>
-                </a:lnTo>
-                <a:lnTo>
-                  <a:pt x="566117" y="0"/>
-                </a:lnTo>
-                <a:close/>
-              </a:path>
-            </a:pathLst>
-          </a:custGeom>
-          <a:gradFill>
-            <a:gsLst>
-              <a:gs pos="63000">
-                <a:srgbClr val="EADCF4"/>
-              </a:gs>
-              <a:gs pos="83000">
-                <a:schemeClr val="accent1">
-                  <a:lumMod val="45000"/>
-                  <a:lumOff val="55000"/>
-                </a:schemeClr>
-              </a:gs>
-              <a:gs pos="0">
-                <a:schemeClr val="accent1">
-                  <a:lumMod val="45000"/>
-                  <a:lumOff val="55000"/>
-                </a:schemeClr>
-              </a:gs>
-              <a:gs pos="100000">
-                <a:schemeClr val="accent1">
-                  <a:lumMod val="30000"/>
-                  <a:lumOff val="70000"/>
-                </a:schemeClr>
-              </a:gs>
-            </a:gsLst>
-            <a:lin ang="5400000" scaled="1"/>
-          </a:gradFill>
-          <a:effectLst>
-            <a:outerShdw blurRad="50800" dist="38100" dir="2700000" algn="tl" rotWithShape="0">
-              <a:prstClr val="black">
-                <a:alpha val="40000"/>
-              </a:prstClr>
-            </a:outerShdw>
-            <a:reflection stA="0" endPos="65000" dir="5400000" sy="-100000" algn="bl" rotWithShape="0"/>
-          </a:effectLst>
-          <a:scene3d>
-            <a:camera prst="orthographicFront"/>
-            <a:lightRig rig="threePt" dir="t"/>
-          </a:scene3d>
-          <a:sp3d>
-            <a:bevelT prst="angle"/>
-          </a:sp3d>
-        </p:spPr>
-      </p:pic>
-      <p:pic>
-        <p:nvPicPr>
-          <p:cNvPr id="35" name="Picture 34" descr="Medical Notes: January 29, 2023 | Radio Health Journal">
-            <a:extLst>
-              <a:ext uri="{FF2B5EF4-FFF2-40B4-BE49-F238E27FC236}">
-                <a16:creationId xmlns:a16="http://schemas.microsoft.com/office/drawing/2014/main" id="{20F315EA-D016-49C1-AB80-9069E3A3B801}"/>
-              </a:ext>
-            </a:extLst>
-          </p:cNvPr>
-          <p:cNvPicPr>
-            <a:picLocks noChangeAspect="1" noChangeArrowheads="1"/>
-          </p:cNvPicPr>
-          <p:nvPr/>
-        </p:nvPicPr>
-        <p:blipFill>
-          <a:blip r:embed="rId5">
-            <a:extLst>
-              <a:ext uri="{28A0092B-C50C-407E-A947-70E740481C1C}">
-                <a14:useLocalDpi xmlns:a14="http://schemas.microsoft.com/office/drawing/2010/main" val="0"/>
-              </a:ext>
-            </a:extLst>
-          </a:blip>
-          <a:srcRect l="49550" t="8295" r="38750" b="70721"/>
-          <a:stretch>
-            <a:fillRect/>
-          </a:stretch>
-        </p:blipFill>
-        <p:spPr bwMode="auto">
-          <a:xfrm rot="17397918">
-            <a:off x="11467835" y="-479428"/>
-            <a:ext cx="950498" cy="958856"/>
-          </a:xfrm>
-          <a:custGeom>
-            <a:avLst/>
-            <a:gdLst>
-              <a:gd name="connsiteX0" fmla="*/ 753717 w 1507433"/>
-              <a:gd name="connsiteY0" fmla="*/ 0 h 1520686"/>
-              <a:gd name="connsiteX1" fmla="*/ 1507433 w 1507433"/>
-              <a:gd name="connsiteY1" fmla="*/ 760343 h 1520686"/>
-              <a:gd name="connsiteX2" fmla="*/ 753717 w 1507433"/>
-              <a:gd name="connsiteY2" fmla="*/ 1520686 h 1520686"/>
-              <a:gd name="connsiteX3" fmla="*/ 0 w 1507433"/>
-              <a:gd name="connsiteY3" fmla="*/ 760343 h 1520686"/>
-              <a:gd name="connsiteX4" fmla="*/ 753717 w 1507433"/>
-              <a:gd name="connsiteY4" fmla="*/ 0 h 1520686"/>
-            </a:gdLst>
-            <a:ahLst/>
-            <a:cxnLst>
-              <a:cxn ang="0">
-                <a:pos x="connsiteX0" y="connsiteY0"/>
-              </a:cxn>
-              <a:cxn ang="0">
-                <a:pos x="connsiteX1" y="connsiteY1"/>
-              </a:cxn>
-              <a:cxn ang="0">
-                <a:pos x="connsiteX2" y="connsiteY2"/>
-              </a:cxn>
-              <a:cxn ang="0">
-                <a:pos x="connsiteX3" y="connsiteY3"/>
-              </a:cxn>
-              <a:cxn ang="0">
-                <a:pos x="connsiteX4" y="connsiteY4"/>
-              </a:cxn>
-            </a:cxnLst>
-            <a:rect l="l" t="t" r="r" b="b"/>
-            <a:pathLst>
-              <a:path w="1507433" h="1520686">
-                <a:moveTo>
-                  <a:pt x="753717" y="0"/>
-                </a:moveTo>
-                <a:lnTo>
-                  <a:pt x="1507433" y="760343"/>
-                </a:lnTo>
-                <a:lnTo>
-                  <a:pt x="753717" y="1520686"/>
-                </a:lnTo>
-                <a:lnTo>
-                  <a:pt x="0" y="760343"/>
-                </a:lnTo>
-                <a:lnTo>
-                  <a:pt x="753717" y="0"/>
-                </a:lnTo>
-                <a:close/>
-              </a:path>
-            </a:pathLst>
-          </a:custGeom>
-          <a:gradFill>
-            <a:gsLst>
-              <a:gs pos="63000">
-                <a:srgbClr val="EADCF4"/>
-              </a:gs>
-              <a:gs pos="83000">
-                <a:schemeClr val="accent1">
-                  <a:lumMod val="45000"/>
-                  <a:lumOff val="55000"/>
-                </a:schemeClr>
-              </a:gs>
-              <a:gs pos="0">
-                <a:schemeClr val="accent1">
-                  <a:lumMod val="45000"/>
-                  <a:lumOff val="55000"/>
-                </a:schemeClr>
-              </a:gs>
-              <a:gs pos="100000">
-                <a:schemeClr val="accent1">
-                  <a:lumMod val="30000"/>
-                  <a:lumOff val="70000"/>
-                </a:schemeClr>
-              </a:gs>
-            </a:gsLst>
-            <a:lin ang="5400000" scaled="1"/>
-          </a:gradFill>
-          <a:effectLst>
-            <a:outerShdw blurRad="50800" dist="38100" dir="2700000" algn="tl" rotWithShape="0">
-              <a:prstClr val="black">
-                <a:alpha val="40000"/>
-              </a:prstClr>
-            </a:outerShdw>
-            <a:reflection stA="0" endPos="65000" dir="5400000" sy="-100000" algn="bl" rotWithShape="0"/>
-          </a:effectLst>
-          <a:scene3d>
-            <a:camera prst="orthographicFront"/>
-            <a:lightRig rig="threePt" dir="t"/>
-          </a:scene3d>
-          <a:sp3d>
-            <a:bevelT prst="angle"/>
-          </a:sp3d>
-        </p:spPr>
-      </p:pic>
-      <p:pic>
-        <p:nvPicPr>
-          <p:cNvPr id="36" name="Picture 35" descr="Medical Notes: January 29, 2023 | Radio Health Journal">
-            <a:extLst>
-              <a:ext uri="{FF2B5EF4-FFF2-40B4-BE49-F238E27FC236}">
-                <a16:creationId xmlns:a16="http://schemas.microsoft.com/office/drawing/2014/main" id="{D4AE74D2-08CD-4F30-923F-C72CE4E3C49C}"/>
-              </a:ext>
-            </a:extLst>
-          </p:cNvPr>
-          <p:cNvPicPr>
-            <a:picLocks noChangeAspect="1" noChangeArrowheads="1"/>
-          </p:cNvPicPr>
-          <p:nvPr/>
-        </p:nvPicPr>
-        <p:blipFill>
-          <a:blip r:embed="rId5">
-            <a:extLst>
-              <a:ext uri="{28A0092B-C50C-407E-A947-70E740481C1C}">
-                <a14:useLocalDpi xmlns:a14="http://schemas.microsoft.com/office/drawing/2010/main" val="0"/>
-              </a:ext>
-            </a:extLst>
-          </a:blip>
-          <a:srcRect l="78145" t="45520" r="18306" b="48400"/>
-          <a:stretch>
-            <a:fillRect/>
-          </a:stretch>
-        </p:blipFill>
-        <p:spPr bwMode="auto">
-          <a:xfrm rot="21420715">
-            <a:off x="11000290" y="6422900"/>
-            <a:ext cx="288287" cy="277840"/>
-          </a:xfrm>
-          <a:custGeom>
-            <a:avLst/>
-            <a:gdLst>
-              <a:gd name="connsiteX0" fmla="*/ 228600 w 457200"/>
-              <a:gd name="connsiteY0" fmla="*/ 0 h 440634"/>
-              <a:gd name="connsiteX1" fmla="*/ 457200 w 457200"/>
-              <a:gd name="connsiteY1" fmla="*/ 220317 h 440634"/>
-              <a:gd name="connsiteX2" fmla="*/ 228600 w 457200"/>
-              <a:gd name="connsiteY2" fmla="*/ 440634 h 440634"/>
-              <a:gd name="connsiteX3" fmla="*/ 0 w 457200"/>
-              <a:gd name="connsiteY3" fmla="*/ 220317 h 440634"/>
-              <a:gd name="connsiteX4" fmla="*/ 228600 w 457200"/>
-              <a:gd name="connsiteY4" fmla="*/ 0 h 440634"/>
-            </a:gdLst>
-            <a:ahLst/>
-            <a:cxnLst>
-              <a:cxn ang="0">
-                <a:pos x="connsiteX0" y="connsiteY0"/>
-              </a:cxn>
-              <a:cxn ang="0">
-                <a:pos x="connsiteX1" y="connsiteY1"/>
-              </a:cxn>
-              <a:cxn ang="0">
-                <a:pos x="connsiteX2" y="connsiteY2"/>
-              </a:cxn>
-              <a:cxn ang="0">
-                <a:pos x="connsiteX3" y="connsiteY3"/>
-              </a:cxn>
-              <a:cxn ang="0">
-                <a:pos x="connsiteX4" y="connsiteY4"/>
-              </a:cxn>
-            </a:cxnLst>
-            <a:rect l="l" t="t" r="r" b="b"/>
-            <a:pathLst>
-              <a:path w="457200" h="440634">
-                <a:moveTo>
-                  <a:pt x="228600" y="0"/>
-                </a:moveTo>
-                <a:lnTo>
-                  <a:pt x="457200" y="220317"/>
-                </a:lnTo>
-                <a:lnTo>
-                  <a:pt x="228600" y="440634"/>
-                </a:lnTo>
-                <a:lnTo>
-                  <a:pt x="0" y="220317"/>
-                </a:lnTo>
-                <a:lnTo>
-                  <a:pt x="228600" y="0"/>
-                </a:lnTo>
-                <a:close/>
-              </a:path>
-            </a:pathLst>
-          </a:custGeom>
-          <a:gradFill>
-            <a:gsLst>
-              <a:gs pos="63000">
-                <a:srgbClr val="EADCF4"/>
-              </a:gs>
-              <a:gs pos="83000">
-                <a:schemeClr val="accent1">
-                  <a:lumMod val="45000"/>
-                  <a:lumOff val="55000"/>
-                </a:schemeClr>
-              </a:gs>
-              <a:gs pos="0">
-                <a:schemeClr val="accent1">
-                  <a:lumMod val="45000"/>
-                  <a:lumOff val="55000"/>
-                </a:schemeClr>
-              </a:gs>
-              <a:gs pos="100000">
-                <a:schemeClr val="accent1">
-                  <a:lumMod val="30000"/>
-                  <a:lumOff val="70000"/>
-                </a:schemeClr>
-              </a:gs>
-            </a:gsLst>
-            <a:lin ang="5400000" scaled="1"/>
-          </a:gradFill>
-          <a:effectLst>
-            <a:outerShdw blurRad="50800" dist="38100" dir="2700000" algn="tl" rotWithShape="0">
-              <a:prstClr val="black">
-                <a:alpha val="40000"/>
-              </a:prstClr>
-            </a:outerShdw>
-            <a:reflection stA="0" endPos="65000" dir="5400000" sy="-100000" algn="bl" rotWithShape="0"/>
-          </a:effectLst>
-          <a:scene3d>
-            <a:camera prst="orthographicFront"/>
-            <a:lightRig rig="threePt" dir="t"/>
-          </a:scene3d>
-          <a:sp3d>
-            <a:bevelT prst="angle"/>
-          </a:sp3d>
-        </p:spPr>
-      </p:pic>
-      <p:pic>
-        <p:nvPicPr>
-          <p:cNvPr id="37" name="Picture 36" descr="Medical Notes: January 29, 2023 | Radio Health Journal">
-            <a:extLst>
-              <a:ext uri="{FF2B5EF4-FFF2-40B4-BE49-F238E27FC236}">
-                <a16:creationId xmlns:a16="http://schemas.microsoft.com/office/drawing/2014/main" id="{6922CEE0-BB45-45BC-858D-6A62CD6CD306}"/>
-              </a:ext>
-            </a:extLst>
-          </p:cNvPr>
-          <p:cNvPicPr>
-            <a:picLocks noChangeAspect="1" noChangeArrowheads="1"/>
-          </p:cNvPicPr>
-          <p:nvPr/>
-        </p:nvPicPr>
-        <p:blipFill>
-          <a:blip r:embed="rId5">
-            <a:extLst>
-              <a:ext uri="{28A0092B-C50C-407E-A947-70E740481C1C}">
-                <a14:useLocalDpi xmlns:a14="http://schemas.microsoft.com/office/drawing/2010/main" val="0"/>
-              </a:ext>
-            </a:extLst>
-          </a:blip>
-          <a:srcRect l="84471" t="68968" r="9251" b="20203"/>
-          <a:stretch>
-            <a:fillRect/>
-          </a:stretch>
-        </p:blipFill>
-        <p:spPr bwMode="auto">
-          <a:xfrm rot="17397918">
-            <a:off x="11212848" y="234091"/>
-            <a:ext cx="509973" cy="494841"/>
-          </a:xfrm>
-          <a:custGeom>
-            <a:avLst/>
-            <a:gdLst>
-              <a:gd name="connsiteX0" fmla="*/ 404394 w 808788"/>
-              <a:gd name="connsiteY0" fmla="*/ 0 h 784789"/>
-              <a:gd name="connsiteX1" fmla="*/ 808788 w 808788"/>
-              <a:gd name="connsiteY1" fmla="*/ 392395 h 784789"/>
-              <a:gd name="connsiteX2" fmla="*/ 404394 w 808788"/>
-              <a:gd name="connsiteY2" fmla="*/ 784789 h 784789"/>
-              <a:gd name="connsiteX3" fmla="*/ 0 w 808788"/>
-              <a:gd name="connsiteY3" fmla="*/ 392395 h 784789"/>
-              <a:gd name="connsiteX4" fmla="*/ 404394 w 808788"/>
-              <a:gd name="connsiteY4" fmla="*/ 0 h 784789"/>
-            </a:gdLst>
-            <a:ahLst/>
-            <a:cxnLst>
-              <a:cxn ang="0">
-                <a:pos x="connsiteX0" y="connsiteY0"/>
-              </a:cxn>
-              <a:cxn ang="0">
-                <a:pos x="connsiteX1" y="connsiteY1"/>
-              </a:cxn>
-              <a:cxn ang="0">
-                <a:pos x="connsiteX2" y="connsiteY2"/>
-              </a:cxn>
-              <a:cxn ang="0">
-                <a:pos x="connsiteX3" y="connsiteY3"/>
-              </a:cxn>
-              <a:cxn ang="0">
-                <a:pos x="connsiteX4" y="connsiteY4"/>
-              </a:cxn>
-            </a:cxnLst>
-            <a:rect l="l" t="t" r="r" b="b"/>
-            <a:pathLst>
-              <a:path w="808788" h="784789">
-                <a:moveTo>
-                  <a:pt x="404394" y="0"/>
-                </a:moveTo>
-                <a:lnTo>
-                  <a:pt x="808788" y="392395"/>
-                </a:lnTo>
-                <a:lnTo>
-                  <a:pt x="404394" y="784789"/>
-                </a:lnTo>
-                <a:lnTo>
-                  <a:pt x="0" y="392395"/>
-                </a:lnTo>
-                <a:lnTo>
-                  <a:pt x="404394" y="0"/>
-                </a:lnTo>
-                <a:close/>
-              </a:path>
-            </a:pathLst>
-          </a:custGeom>
-          <a:gradFill>
-            <a:gsLst>
-              <a:gs pos="63000">
-                <a:srgbClr val="EADCF4"/>
-              </a:gs>
-              <a:gs pos="83000">
-                <a:schemeClr val="accent1">
-                  <a:lumMod val="45000"/>
-                  <a:lumOff val="55000"/>
-                </a:schemeClr>
-              </a:gs>
-              <a:gs pos="0">
-                <a:schemeClr val="accent1">
-                  <a:lumMod val="45000"/>
-                  <a:lumOff val="55000"/>
-                </a:schemeClr>
-              </a:gs>
-              <a:gs pos="100000">
-                <a:schemeClr val="accent1">
-                  <a:lumMod val="30000"/>
-                  <a:lumOff val="70000"/>
-                </a:schemeClr>
-              </a:gs>
-            </a:gsLst>
-            <a:lin ang="5400000" scaled="1"/>
-          </a:gradFill>
-          <a:effectLst>
-            <a:outerShdw blurRad="50800" dist="38100" dir="2700000" algn="tl" rotWithShape="0">
-              <a:prstClr val="black">
-                <a:alpha val="40000"/>
-              </a:prstClr>
-            </a:outerShdw>
-            <a:reflection stA="0" endPos="65000" dir="5400000" sy="-100000" algn="bl" rotWithShape="0"/>
-          </a:effectLst>
-          <a:scene3d>
-            <a:camera prst="orthographicFront"/>
-            <a:lightRig rig="threePt" dir="t"/>
-          </a:scene3d>
-          <a:sp3d>
-            <a:bevelT prst="angle"/>
-          </a:sp3d>
-        </p:spPr>
-      </p:pic>
-    </p:spTree>
-    <p:extLst>
-      <p:ext uri="{BB962C8B-B14F-4D97-AF65-F5344CB8AC3E}">
-        <p14:creationId xmlns:p14="http://schemas.microsoft.com/office/powerpoint/2010/main" val="1452647713"/>
-      </p:ext>
-    </p:extLst>
-  </p:cSld>
-  <p:clrMapOvr>
-    <a:masterClrMapping/>
-  </p:clrMapOvr>
-  <mc:AlternateContent xmlns:mc="http://schemas.openxmlformats.org/markup-compatibility/2006" xmlns:p159="http://schemas.microsoft.com/office/powerpoint/2015/09/main">
-    <mc:Choice Requires="p159">
-      <p:transition xmlns:p14="http://schemas.microsoft.com/office/powerpoint/2010/main" spd="slow" p14:dur="2000">
-        <p159:morph option="byObject"/>
-      </p:transition>
-    </mc:Choice>
-    <mc:Fallback xmlns="">
-      <p:transition spd="slow">
-        <p:fade/>
-      </p:transition>
-    </mc:Fallback>
-  </mc:AlternateContent>
-</p:sld>
-</file>
-
-<file path=ppt/slides/slide8.xml><?xml version="1.0" encoding="utf-8"?>
-<p:sld xmlns:a="http://schemas.openxmlformats.org/drawingml/2006/main" xmlns:r="http://schemas.openxmlformats.org/officeDocument/2006/relationships" xmlns:p="http://schemas.openxmlformats.org/presentationml/2006/main">
-  <p:cSld>
-    <p:bg>
-      <p:bgPr>
         <a:gradFill>
           <a:gsLst>
             <a:gs pos="0">
@@ -20559,7 +18746,7 @@
           <a:p>
             <a:r>
               <a:rPr lang="bs-Latn-BA" dirty="0"/>
-              <a:t>Our team:</a:t>
+              <a:t>Tim:</a:t>
             </a:r>
           </a:p>
         </p:txBody>
@@ -22349,7 +20536,7 @@
 </p:sld>
 </file>
 
-<file path=ppt/slides/slide9.xml><?xml version="1.0" encoding="utf-8"?>
+<file path=ppt/slides/slide8.xml><?xml version="1.0" encoding="utf-8"?>
 <p:sld xmlns:a="http://schemas.openxmlformats.org/drawingml/2006/main" xmlns:r="http://schemas.openxmlformats.org/officeDocument/2006/relationships" xmlns:p="http://schemas.openxmlformats.org/presentationml/2006/main">
   <p:cSld>
     <p:bg>
